--- a/others/Presentation1.pptx
+++ b/others/Presentation1.pptx
@@ -110,6 +110,11 @@
       </a:defRPr>
     </a:lvl9pPr>
   </p:defaultTextStyle>
+  <p:extLst>
+    <p:ext uri="{EFAFB233-063F-42B5-8137-9DF3F51BA10A}">
+      <p15:sldGuideLst xmlns:p15="http://schemas.microsoft.com/office/powerpoint/2012/main"/>
+    </p:ext>
+  </p:extLst>
 </p:presentation>
 </file>
 
@@ -260,7 +265,7 @@
           <a:p>
             <a:fld id="{1EA48EFC-04D0-2649-988D-EFFED6BFD7B0}" type="datetimeFigureOut">
               <a:rPr lang="en-US" smtClean="0"/>
-              <a:t>8/27/20</a:t>
+              <a:t>8/28/20</a:t>
             </a:fld>
             <a:endParaRPr lang="en-US"/>
           </a:p>
@@ -458,7 +463,7 @@
           <a:p>
             <a:fld id="{1EA48EFC-04D0-2649-988D-EFFED6BFD7B0}" type="datetimeFigureOut">
               <a:rPr lang="en-US" smtClean="0"/>
-              <a:t>8/27/20</a:t>
+              <a:t>8/28/20</a:t>
             </a:fld>
             <a:endParaRPr lang="en-US"/>
           </a:p>
@@ -666,7 +671,7 @@
           <a:p>
             <a:fld id="{1EA48EFC-04D0-2649-988D-EFFED6BFD7B0}" type="datetimeFigureOut">
               <a:rPr lang="en-US" smtClean="0"/>
-              <a:t>8/27/20</a:t>
+              <a:t>8/28/20</a:t>
             </a:fld>
             <a:endParaRPr lang="en-US"/>
           </a:p>
@@ -864,7 +869,7 @@
           <a:p>
             <a:fld id="{1EA48EFC-04D0-2649-988D-EFFED6BFD7B0}" type="datetimeFigureOut">
               <a:rPr lang="en-US" smtClean="0"/>
-              <a:t>8/27/20</a:t>
+              <a:t>8/28/20</a:t>
             </a:fld>
             <a:endParaRPr lang="en-US"/>
           </a:p>
@@ -1139,7 +1144,7 @@
           <a:p>
             <a:fld id="{1EA48EFC-04D0-2649-988D-EFFED6BFD7B0}" type="datetimeFigureOut">
               <a:rPr lang="en-US" smtClean="0"/>
-              <a:t>8/27/20</a:t>
+              <a:t>8/28/20</a:t>
             </a:fld>
             <a:endParaRPr lang="en-US"/>
           </a:p>
@@ -1404,7 +1409,7 @@
           <a:p>
             <a:fld id="{1EA48EFC-04D0-2649-988D-EFFED6BFD7B0}" type="datetimeFigureOut">
               <a:rPr lang="en-US" smtClean="0"/>
-              <a:t>8/27/20</a:t>
+              <a:t>8/28/20</a:t>
             </a:fld>
             <a:endParaRPr lang="en-US"/>
           </a:p>
@@ -1816,7 +1821,7 @@
           <a:p>
             <a:fld id="{1EA48EFC-04D0-2649-988D-EFFED6BFD7B0}" type="datetimeFigureOut">
               <a:rPr lang="en-US" smtClean="0"/>
-              <a:t>8/27/20</a:t>
+              <a:t>8/28/20</a:t>
             </a:fld>
             <a:endParaRPr lang="en-US"/>
           </a:p>
@@ -1957,7 +1962,7 @@
           <a:p>
             <a:fld id="{1EA48EFC-04D0-2649-988D-EFFED6BFD7B0}" type="datetimeFigureOut">
               <a:rPr lang="en-US" smtClean="0"/>
-              <a:t>8/27/20</a:t>
+              <a:t>8/28/20</a:t>
             </a:fld>
             <a:endParaRPr lang="en-US"/>
           </a:p>
@@ -2070,7 +2075,7 @@
           <a:p>
             <a:fld id="{1EA48EFC-04D0-2649-988D-EFFED6BFD7B0}" type="datetimeFigureOut">
               <a:rPr lang="en-US" smtClean="0"/>
-              <a:t>8/27/20</a:t>
+              <a:t>8/28/20</a:t>
             </a:fld>
             <a:endParaRPr lang="en-US"/>
           </a:p>
@@ -2381,7 +2386,7 @@
           <a:p>
             <a:fld id="{1EA48EFC-04D0-2649-988D-EFFED6BFD7B0}" type="datetimeFigureOut">
               <a:rPr lang="en-US" smtClean="0"/>
-              <a:t>8/27/20</a:t>
+              <a:t>8/28/20</a:t>
             </a:fld>
             <a:endParaRPr lang="en-US"/>
           </a:p>
@@ -2669,7 +2674,7 @@
           <a:p>
             <a:fld id="{1EA48EFC-04D0-2649-988D-EFFED6BFD7B0}" type="datetimeFigureOut">
               <a:rPr lang="en-US" smtClean="0"/>
-              <a:t>8/27/20</a:t>
+              <a:t>8/28/20</a:t>
             </a:fld>
             <a:endParaRPr lang="en-US"/>
           </a:p>
@@ -2910,7 +2915,7 @@
           <a:p>
             <a:fld id="{1EA48EFC-04D0-2649-988D-EFFED6BFD7B0}" type="datetimeFigureOut">
               <a:rPr lang="en-US" smtClean="0"/>
-              <a:t>8/27/20</a:t>
+              <a:t>8/28/20</a:t>
             </a:fld>
             <a:endParaRPr lang="en-US"/>
           </a:p>
@@ -4071,88 +4076,95 @@
         </p:spPr>
         <p:txBody>
           <a:bodyPr anchor="t">
-            <a:normAutofit/>
+            <a:normAutofit lnSpcReduction="10000"/>
           </a:bodyPr>
           <a:lstStyle/>
           <a:p>
             <a:r>
-              <a:rPr lang="en-US" sz="1900"/>
+              <a:rPr lang="en-US" sz="1900" dirty="0"/>
               <a:t>Individual model train on</a:t>
             </a:r>
           </a:p>
           <a:p>
             <a:pPr lvl="2"/>
             <a:r>
-              <a:rPr lang="en-US" sz="1900"/>
+              <a:rPr lang="en-US" sz="1900" dirty="0"/>
               <a:t>KORA</a:t>
             </a:r>
           </a:p>
           <a:p>
             <a:pPr lvl="3"/>
             <a:r>
-              <a:rPr lang="en-US" sz="1900"/>
-              <a:t>KORA Opp set</a:t>
+              <a:rPr lang="en-US" sz="1900" dirty="0"/>
+              <a:t>KORA OPP set</a:t>
             </a:r>
           </a:p>
           <a:p>
             <a:pPr lvl="3"/>
             <a:r>
-              <a:rPr lang="en-US" sz="1900"/>
-              <a:t>KORA N4 normalised</a:t>
+              <a:rPr lang="en-US" sz="1900" dirty="0"/>
+              <a:t>KORA N4 normalized</a:t>
+            </a:r>
+          </a:p>
+          <a:p>
+            <a:pPr lvl="3"/>
+            <a:r>
+              <a:rPr lang="en-US" sz="1900" dirty="0"/>
+              <a:t>KORA FAT+WATER+OPP</a:t>
             </a:r>
           </a:p>
           <a:p>
             <a:pPr lvl="2"/>
             <a:r>
-              <a:rPr lang="en-US" sz="1900"/>
+              <a:rPr lang="en-US" sz="1900" dirty="0"/>
               <a:t>NAKO</a:t>
             </a:r>
           </a:p>
           <a:p>
             <a:pPr lvl="2"/>
             <a:r>
-              <a:rPr lang="en-US" sz="1900"/>
+              <a:rPr lang="en-US" sz="1900" dirty="0"/>
               <a:t>UKB</a:t>
             </a:r>
           </a:p>
           <a:p>
             <a:r>
-              <a:rPr lang="en-US" sz="1900"/>
+              <a:rPr lang="en-US" sz="1900" dirty="0"/>
               <a:t>Various Evaluation Strategy Used</a:t>
             </a:r>
           </a:p>
           <a:p>
             <a:pPr lvl="2"/>
             <a:r>
-              <a:rPr lang="en-US" sz="1900"/>
+              <a:rPr lang="en-US" sz="1900" dirty="0"/>
               <a:t>Single View Evaluation</a:t>
             </a:r>
           </a:p>
           <a:p>
             <a:pPr lvl="2"/>
             <a:r>
-              <a:rPr lang="en-US" sz="1900"/>
+              <a:rPr lang="en-US" sz="1900" dirty="0"/>
               <a:t>2-view Evaluation</a:t>
             </a:r>
           </a:p>
           <a:p>
             <a:pPr lvl="2"/>
             <a:r>
-              <a:rPr lang="en-US" sz="1900"/>
+              <a:rPr lang="en-US" sz="1900" dirty="0"/>
               <a:t>3-view Evaluation</a:t>
             </a:r>
           </a:p>
           <a:p>
             <a:pPr lvl="2"/>
             <a:r>
-              <a:rPr lang="en-US" sz="1900"/>
+              <a:rPr lang="en-US" sz="1900" dirty="0"/>
               <a:t>3-channel Evaluation (OPP + Fat + Water channel per slice)</a:t>
             </a:r>
           </a:p>
           <a:p>
             <a:pPr lvl="2"/>
             <a:r>
-              <a:rPr lang="en-US" sz="1900"/>
+              <a:rPr lang="en-US" sz="1900" dirty="0"/>
               <a:t>2-channel Evaluation (OPP + Water channel per slice)</a:t>
             </a:r>
           </a:p>
@@ -4160,7 +4172,7 @@
             <a:pPr marL="0" indent="0">
               <a:buNone/>
             </a:pPr>
-            <a:endParaRPr lang="en-US" sz="1900"/>
+            <a:endParaRPr lang="en-US" sz="1900" dirty="0"/>
           </a:p>
         </p:txBody>
       </p:sp>
@@ -5367,7 +5379,7 @@
           <a:p>
             <a:r>
               <a:rPr lang="en-US" sz="2400" dirty="0"/>
-              <a:t>Sparsely annotated label-maps to train models. </a:t>
+              <a:t>Sparsely annotated label-maps to train models and. </a:t>
             </a:r>
           </a:p>
           <a:p>
